--- a/design.pptx
+++ b/design.pptx
@@ -262,7 +262,7 @@
           <a:p>
             <a:fld id="{026AA3A7-E000-4F88-9A06-A9A78E549826}" type="datetimeFigureOut">
               <a:rPr lang="nl-NL" smtClean="0"/>
-              <a:t>12-5-2021</a:t>
+              <a:t>9-12-2021</a:t>
             </a:fld>
             <a:endParaRPr lang="nl-NL"/>
           </a:p>
@@ -460,7 +460,7 @@
           <a:p>
             <a:fld id="{026AA3A7-E000-4F88-9A06-A9A78E549826}" type="datetimeFigureOut">
               <a:rPr lang="nl-NL" smtClean="0"/>
-              <a:t>12-5-2021</a:t>
+              <a:t>9-12-2021</a:t>
             </a:fld>
             <a:endParaRPr lang="nl-NL"/>
           </a:p>
@@ -668,7 +668,7 @@
           <a:p>
             <a:fld id="{026AA3A7-E000-4F88-9A06-A9A78E549826}" type="datetimeFigureOut">
               <a:rPr lang="nl-NL" smtClean="0"/>
-              <a:t>12-5-2021</a:t>
+              <a:t>9-12-2021</a:t>
             </a:fld>
             <a:endParaRPr lang="nl-NL"/>
           </a:p>
@@ -866,7 +866,7 @@
           <a:p>
             <a:fld id="{026AA3A7-E000-4F88-9A06-A9A78E549826}" type="datetimeFigureOut">
               <a:rPr lang="nl-NL" smtClean="0"/>
-              <a:t>12-5-2021</a:t>
+              <a:t>9-12-2021</a:t>
             </a:fld>
             <a:endParaRPr lang="nl-NL"/>
           </a:p>
@@ -1141,7 +1141,7 @@
           <a:p>
             <a:fld id="{026AA3A7-E000-4F88-9A06-A9A78E549826}" type="datetimeFigureOut">
               <a:rPr lang="nl-NL" smtClean="0"/>
-              <a:t>12-5-2021</a:t>
+              <a:t>9-12-2021</a:t>
             </a:fld>
             <a:endParaRPr lang="nl-NL"/>
           </a:p>
@@ -1406,7 +1406,7 @@
           <a:p>
             <a:fld id="{026AA3A7-E000-4F88-9A06-A9A78E549826}" type="datetimeFigureOut">
               <a:rPr lang="nl-NL" smtClean="0"/>
-              <a:t>12-5-2021</a:t>
+              <a:t>9-12-2021</a:t>
             </a:fld>
             <a:endParaRPr lang="nl-NL"/>
           </a:p>
@@ -1818,7 +1818,7 @@
           <a:p>
             <a:fld id="{026AA3A7-E000-4F88-9A06-A9A78E549826}" type="datetimeFigureOut">
               <a:rPr lang="nl-NL" smtClean="0"/>
-              <a:t>12-5-2021</a:t>
+              <a:t>9-12-2021</a:t>
             </a:fld>
             <a:endParaRPr lang="nl-NL"/>
           </a:p>
@@ -1959,7 +1959,7 @@
           <a:p>
             <a:fld id="{026AA3A7-E000-4F88-9A06-A9A78E549826}" type="datetimeFigureOut">
               <a:rPr lang="nl-NL" smtClean="0"/>
-              <a:t>12-5-2021</a:t>
+              <a:t>9-12-2021</a:t>
             </a:fld>
             <a:endParaRPr lang="nl-NL"/>
           </a:p>
@@ -2072,7 +2072,7 @@
           <a:p>
             <a:fld id="{026AA3A7-E000-4F88-9A06-A9A78E549826}" type="datetimeFigureOut">
               <a:rPr lang="nl-NL" smtClean="0"/>
-              <a:t>12-5-2021</a:t>
+              <a:t>9-12-2021</a:t>
             </a:fld>
             <a:endParaRPr lang="nl-NL"/>
           </a:p>
@@ -2383,7 +2383,7 @@
           <a:p>
             <a:fld id="{026AA3A7-E000-4F88-9A06-A9A78E549826}" type="datetimeFigureOut">
               <a:rPr lang="nl-NL" smtClean="0"/>
-              <a:t>12-5-2021</a:t>
+              <a:t>9-12-2021</a:t>
             </a:fld>
             <a:endParaRPr lang="nl-NL"/>
           </a:p>
@@ -2671,7 +2671,7 @@
           <a:p>
             <a:fld id="{026AA3A7-E000-4F88-9A06-A9A78E549826}" type="datetimeFigureOut">
               <a:rPr lang="nl-NL" smtClean="0"/>
-              <a:t>12-5-2021</a:t>
+              <a:t>9-12-2021</a:t>
             </a:fld>
             <a:endParaRPr lang="nl-NL"/>
           </a:p>
@@ -2912,7 +2912,7 @@
           <a:p>
             <a:fld id="{026AA3A7-E000-4F88-9A06-A9A78E549826}" type="datetimeFigureOut">
               <a:rPr lang="nl-NL" smtClean="0"/>
-              <a:t>12-5-2021</a:t>
+              <a:t>9-12-2021</a:t>
             </a:fld>
             <a:endParaRPr lang="nl-NL"/>
           </a:p>
@@ -3343,7 +3343,7 @@
         </p:nvSpPr>
         <p:spPr>
           <a:xfrm>
-            <a:off x="704295" y="3857567"/>
+            <a:off x="704295" y="4458050"/>
             <a:ext cx="2612994" cy="1477328"/>
           </a:xfrm>
           <a:prstGeom prst="rect">
@@ -3420,7 +3420,7 @@
         <p:spPr>
           <a:xfrm>
             <a:off x="704295" y="418510"/>
-            <a:ext cx="2612994" cy="3139321"/>
+            <a:ext cx="2612994" cy="3693319"/>
           </a:xfrm>
           <a:prstGeom prst="rect">
             <a:avLst/>
@@ -3507,8 +3507,21 @@
           <a:p>
             <a:r>
               <a:rPr lang="nl-NL" dirty="0"/>
-              <a:t>handmatig</a:t>
-            </a:r>
+              <a:t>Handmatig</a:t>
+            </a:r>
+          </a:p>
+          <a:p>
+            <a:r>
+              <a:rPr lang="nl-NL" dirty="0"/>
+              <a:t>smartheat</a:t>
+            </a:r>
+          </a:p>
+          <a:p>
+            <a:r>
+              <a:rPr lang="nl-NL" dirty="0" err="1"/>
+              <a:t>handmatig_tijd</a:t>
+            </a:r>
+            <a:endParaRPr lang="nl-NL" dirty="0"/>
           </a:p>
         </p:txBody>
       </p:sp>
@@ -3959,7 +3972,7 @@
         </p:spPr>
         <p:txBody>
           <a:bodyPr>
-            <a:normAutofit fontScale="92500" lnSpcReduction="10000"/>
+            <a:normAutofit fontScale="92500" lnSpcReduction="20000"/>
           </a:bodyPr>
           <a:lstStyle/>
           <a:p>
@@ -4716,6 +4729,53 @@
               <a:rPr lang="en-US" sz="1800" b="1" dirty="0">
                 <a:solidFill>
                   <a:srgbClr val="FF0000"/>
+                </a:solidFill>
+                <a:latin typeface="Consolas" panose="020B0609020204030204" pitchFamily="49" charset="0"/>
+              </a:rPr>
+              <a:t>,</a:t>
+            </a:r>
+          </a:p>
+          <a:p>
+            <a:r>
+              <a:rPr lang="nl-NL" sz="1800">
+                <a:solidFill>
+                  <a:srgbClr val="000000"/>
+                </a:solidFill>
+                <a:latin typeface="Consolas" panose="020B0609020204030204" pitchFamily="49" charset="0"/>
+              </a:rPr>
+              <a:t>Handmatig_tijd </a:t>
+            </a:r>
+            <a:r>
+              <a:rPr lang="nl-NL" sz="1800" b="1" dirty="0">
+                <a:solidFill>
+                  <a:srgbClr val="000080"/>
+                </a:solidFill>
+                <a:latin typeface="Consolas" panose="020B0609020204030204" pitchFamily="49" charset="0"/>
+              </a:rPr>
+              <a:t>timestamp</a:t>
+            </a:r>
+            <a:r>
+              <a:rPr lang="nl-NL" sz="1800" b="1" dirty="0">
+                <a:solidFill>
+                  <a:srgbClr val="000000"/>
+                </a:solidFill>
+                <a:latin typeface="Consolas" panose="020B0609020204030204" pitchFamily="49" charset="0"/>
+              </a:rPr>
+              <a:t> </a:t>
+            </a:r>
+            <a:r>
+              <a:rPr lang="nl-NL" sz="1800" b="1" dirty="0">
+                <a:solidFill>
+                  <a:srgbClr val="800000"/>
+                </a:solidFill>
+                <a:latin typeface="Consolas" panose="020B0609020204030204" pitchFamily="49" charset="0"/>
+              </a:rPr>
+              <a:t>NULL</a:t>
+            </a:r>
+            <a:r>
+              <a:rPr lang="nl-NL" sz="1800" b="1" dirty="0">
+                <a:solidFill>
+                  <a:srgbClr val="000000"/>
                 </a:solidFill>
                 <a:latin typeface="Consolas" panose="020B0609020204030204" pitchFamily="49" charset="0"/>
               </a:rPr>
@@ -5459,6 +5519,117 @@
                 <a:latin typeface="Consolas" panose="020B0609020204030204" pitchFamily="49" charset="0"/>
               </a:rPr>
               <a:t> (rid),</a:t>
+            </a:r>
+          </a:p>
+          <a:p>
+            <a:pPr algn="l"/>
+            <a:r>
+              <a:rPr lang="en-US" sz="1800" dirty="0" err="1">
+                <a:solidFill>
+                  <a:srgbClr val="000000"/>
+                </a:solidFill>
+                <a:latin typeface="Consolas" panose="020B0609020204030204" pitchFamily="49" charset="0"/>
+              </a:rPr>
+              <a:t>lowbattery</a:t>
+            </a:r>
+            <a:r>
+              <a:rPr lang="en-US" sz="1800" dirty="0">
+                <a:solidFill>
+                  <a:srgbClr val="000000"/>
+                </a:solidFill>
+                <a:latin typeface="Consolas" panose="020B0609020204030204" pitchFamily="49" charset="0"/>
+              </a:rPr>
+              <a:t> </a:t>
+            </a:r>
+            <a:r>
+              <a:rPr lang="en-US" sz="1800" b="1" dirty="0">
+                <a:solidFill>
+                  <a:srgbClr val="000080"/>
+                </a:solidFill>
+                <a:latin typeface="Consolas" panose="020B0609020204030204" pitchFamily="49" charset="0"/>
+              </a:rPr>
+              <a:t>bool</a:t>
+            </a:r>
+            <a:r>
+              <a:rPr lang="en-US" sz="1800" b="1" dirty="0">
+                <a:solidFill>
+                  <a:srgbClr val="000000"/>
+                </a:solidFill>
+                <a:latin typeface="Consolas" panose="020B0609020204030204" pitchFamily="49" charset="0"/>
+              </a:rPr>
+              <a:t> </a:t>
+            </a:r>
+            <a:r>
+              <a:rPr lang="en-US" sz="1800" b="1" dirty="0">
+                <a:solidFill>
+                  <a:srgbClr val="800000"/>
+                </a:solidFill>
+                <a:latin typeface="Consolas" panose="020B0609020204030204" pitchFamily="49" charset="0"/>
+              </a:rPr>
+              <a:t>NOT</a:t>
+            </a:r>
+            <a:r>
+              <a:rPr lang="en-US" sz="1800" b="1" dirty="0">
+                <a:solidFill>
+                  <a:srgbClr val="000000"/>
+                </a:solidFill>
+                <a:latin typeface="Consolas" panose="020B0609020204030204" pitchFamily="49" charset="0"/>
+              </a:rPr>
+              <a:t> </a:t>
+            </a:r>
+            <a:r>
+              <a:rPr lang="en-US" sz="1800" b="1" dirty="0">
+                <a:solidFill>
+                  <a:srgbClr val="800000"/>
+                </a:solidFill>
+                <a:latin typeface="Consolas" panose="020B0609020204030204" pitchFamily="49" charset="0"/>
+              </a:rPr>
+              <a:t>NULL</a:t>
+            </a:r>
+            <a:r>
+              <a:rPr lang="en-US" sz="1800" b="1" dirty="0">
+                <a:solidFill>
+                  <a:srgbClr val="000000"/>
+                </a:solidFill>
+                <a:latin typeface="Consolas" panose="020B0609020204030204" pitchFamily="49" charset="0"/>
+              </a:rPr>
+              <a:t> </a:t>
+            </a:r>
+            <a:r>
+              <a:rPr lang="en-US" sz="1800" b="1" dirty="0">
+                <a:solidFill>
+                  <a:srgbClr val="800000"/>
+                </a:solidFill>
+                <a:latin typeface="Consolas" panose="020B0609020204030204" pitchFamily="49" charset="0"/>
+              </a:rPr>
+              <a:t>DEFAULT</a:t>
+            </a:r>
+            <a:r>
+              <a:rPr lang="en-US" sz="1800" b="1" dirty="0">
+                <a:solidFill>
+                  <a:srgbClr val="000000"/>
+                </a:solidFill>
+                <a:latin typeface="Consolas" panose="020B0609020204030204" pitchFamily="49" charset="0"/>
+              </a:rPr>
+              <a:t> </a:t>
+            </a:r>
+            <a:r>
+              <a:rPr lang="en-US" sz="1800" b="1" dirty="0">
+                <a:solidFill>
+                  <a:srgbClr val="800000"/>
+                </a:solidFill>
+                <a:latin typeface="Consolas" panose="020B0609020204030204" pitchFamily="49" charset="0"/>
+              </a:rPr>
+              <a:t>false</a:t>
+            </a:r>
+            <a:r>
+              <a:rPr lang="en-US" sz="1800" b="1" dirty="0">
+                <a:solidFill>
+                  <a:srgbClr val="000000"/>
+                </a:solidFill>
+                <a:latin typeface="Consolas" panose="020B0609020204030204" pitchFamily="49" charset="0"/>
+              </a:rPr>
+              <a:t>,</a:t>
             </a:r>
           </a:p>
           <a:p>
